--- a/文档/单实例任务支持多实例任务原理示意图.pptx
+++ b/文档/单实例任务支持多实例任务原理示意图.pptx
@@ -7,6 +7,7 @@
   <p:sldIdLst>
     <p:sldId id="256" r:id="rId2"/>
     <p:sldId id="257" r:id="rId3"/>
+    <p:sldId id="258" r:id="rId4"/>
   </p:sldIdLst>
   <p:sldSz cx="9144000" cy="6858000" type="screen4x3"/>
   <p:notesSz cx="6858000" cy="9144000"/>
@@ -289,7 +290,7 @@
           <a:p>
             <a:fld id="{530820CF-B880-4189-942D-D702A7CBA730}" type="datetimeFigureOut">
               <a:rPr lang="zh-CN" altLang="en-US" smtClean="0"/>
-              <a:t>2014/9/25</a:t>
+              <a:t>2014/10/12</a:t>
             </a:fld>
             <a:endParaRPr lang="zh-CN" altLang="en-US"/>
           </a:p>
@@ -454,7 +455,7 @@
           <a:p>
             <a:fld id="{530820CF-B880-4189-942D-D702A7CBA730}" type="datetimeFigureOut">
               <a:rPr lang="zh-CN" altLang="en-US" smtClean="0"/>
-              <a:t>2014/9/25</a:t>
+              <a:t>2014/10/12</a:t>
             </a:fld>
             <a:endParaRPr lang="zh-CN" altLang="en-US"/>
           </a:p>
@@ -629,7 +630,7 @@
           <a:p>
             <a:fld id="{530820CF-B880-4189-942D-D702A7CBA730}" type="datetimeFigureOut">
               <a:rPr lang="zh-CN" altLang="en-US" smtClean="0"/>
-              <a:t>2014/9/25</a:t>
+              <a:t>2014/10/12</a:t>
             </a:fld>
             <a:endParaRPr lang="zh-CN" altLang="en-US"/>
           </a:p>
@@ -794,7 +795,7 @@
           <a:p>
             <a:fld id="{530820CF-B880-4189-942D-D702A7CBA730}" type="datetimeFigureOut">
               <a:rPr lang="zh-CN" altLang="en-US" smtClean="0"/>
-              <a:t>2014/9/25</a:t>
+              <a:t>2014/10/12</a:t>
             </a:fld>
             <a:endParaRPr lang="zh-CN" altLang="en-US"/>
           </a:p>
@@ -1035,7 +1036,7 @@
           <a:p>
             <a:fld id="{530820CF-B880-4189-942D-D702A7CBA730}" type="datetimeFigureOut">
               <a:rPr lang="zh-CN" altLang="en-US" smtClean="0"/>
-              <a:t>2014/9/25</a:t>
+              <a:t>2014/10/12</a:t>
             </a:fld>
             <a:endParaRPr lang="zh-CN" altLang="en-US"/>
           </a:p>
@@ -1318,7 +1319,7 @@
           <a:p>
             <a:fld id="{530820CF-B880-4189-942D-D702A7CBA730}" type="datetimeFigureOut">
               <a:rPr lang="zh-CN" altLang="en-US" smtClean="0"/>
-              <a:t>2014/9/25</a:t>
+              <a:t>2014/10/12</a:t>
             </a:fld>
             <a:endParaRPr lang="zh-CN" altLang="en-US"/>
           </a:p>
@@ -1735,7 +1736,7 @@
           <a:p>
             <a:fld id="{530820CF-B880-4189-942D-D702A7CBA730}" type="datetimeFigureOut">
               <a:rPr lang="zh-CN" altLang="en-US" smtClean="0"/>
-              <a:t>2014/9/25</a:t>
+              <a:t>2014/10/12</a:t>
             </a:fld>
             <a:endParaRPr lang="zh-CN" altLang="en-US"/>
           </a:p>
@@ -1848,7 +1849,7 @@
           <a:p>
             <a:fld id="{530820CF-B880-4189-942D-D702A7CBA730}" type="datetimeFigureOut">
               <a:rPr lang="zh-CN" altLang="en-US" smtClean="0"/>
-              <a:t>2014/9/25</a:t>
+              <a:t>2014/10/12</a:t>
             </a:fld>
             <a:endParaRPr lang="zh-CN" altLang="en-US"/>
           </a:p>
@@ -1938,7 +1939,7 @@
           <a:p>
             <a:fld id="{530820CF-B880-4189-942D-D702A7CBA730}" type="datetimeFigureOut">
               <a:rPr lang="zh-CN" altLang="en-US" smtClean="0"/>
-              <a:t>2014/9/25</a:t>
+              <a:t>2014/10/12</a:t>
             </a:fld>
             <a:endParaRPr lang="zh-CN" altLang="en-US"/>
           </a:p>
@@ -2210,7 +2211,7 @@
           <a:p>
             <a:fld id="{530820CF-B880-4189-942D-D702A7CBA730}" type="datetimeFigureOut">
               <a:rPr lang="zh-CN" altLang="en-US" smtClean="0"/>
-              <a:t>2014/9/25</a:t>
+              <a:t>2014/10/12</a:t>
             </a:fld>
             <a:endParaRPr lang="zh-CN" altLang="en-US"/>
           </a:p>
@@ -2458,7 +2459,7 @@
           <a:p>
             <a:fld id="{530820CF-B880-4189-942D-D702A7CBA730}" type="datetimeFigureOut">
               <a:rPr lang="zh-CN" altLang="en-US" smtClean="0"/>
-              <a:t>2014/9/25</a:t>
+              <a:t>2014/10/12</a:t>
             </a:fld>
             <a:endParaRPr lang="zh-CN" altLang="en-US"/>
           </a:p>
@@ -2666,7 +2667,7 @@
           <a:p>
             <a:fld id="{530820CF-B880-4189-942D-D702A7CBA730}" type="datetimeFigureOut">
               <a:rPr lang="zh-CN" altLang="en-US" smtClean="0"/>
-              <a:t>2014/9/25</a:t>
+              <a:t>2014/10/12</a:t>
             </a:fld>
             <a:endParaRPr lang="zh-CN" altLang="en-US"/>
           </a:p>
@@ -4130,6 +4131,1080 @@
     <p:extLst>
       <p:ext uri="{BB962C8B-B14F-4D97-AF65-F5344CB8AC3E}">
         <p14:creationId xmlns:p14="http://schemas.microsoft.com/office/powerpoint/2010/main" val="2131925039"/>
+      </p:ext>
+    </p:extLst>
+  </p:cSld>
+  <p:clrMapOvr>
+    <a:masterClrMapping/>
+  </p:clrMapOvr>
+</p:sld>
+</file>
+
+<file path=ppt/slides/slide3.xml><?xml version="1.0" encoding="utf-8"?>
+<p:sld xmlns:a="http://schemas.openxmlformats.org/drawingml/2006/main" xmlns:r="http://schemas.openxmlformats.org/officeDocument/2006/relationships" xmlns:p="http://schemas.openxmlformats.org/presentationml/2006/main">
+  <p:cSld>
+    <p:spTree>
+      <p:nvGrpSpPr>
+        <p:cNvPr id="1" name=""/>
+        <p:cNvGrpSpPr/>
+        <p:nvPr/>
+      </p:nvGrpSpPr>
+      <p:grpSpPr>
+        <a:xfrm>
+          <a:off x="0" y="0"/>
+          <a:ext cx="0" cy="0"/>
+          <a:chOff x="0" y="0"/>
+          <a:chExt cx="0" cy="0"/>
+        </a:xfrm>
+      </p:grpSpPr>
+      <p:sp>
+        <p:nvSpPr>
+          <p:cNvPr id="4" name="矩形 3"/>
+          <p:cNvSpPr/>
+          <p:nvPr/>
+        </p:nvSpPr>
+        <p:spPr>
+          <a:xfrm>
+            <a:off x="827584" y="1124744"/>
+            <a:ext cx="1872208" cy="936104"/>
+          </a:xfrm>
+          <a:prstGeom prst="rect">
+            <a:avLst/>
+          </a:prstGeom>
+        </p:spPr>
+        <p:style>
+          <a:lnRef idx="2">
+            <a:schemeClr val="accent4"/>
+          </a:lnRef>
+          <a:fillRef idx="1">
+            <a:schemeClr val="lt1"/>
+          </a:fillRef>
+          <a:effectRef idx="0">
+            <a:schemeClr val="accent4"/>
+          </a:effectRef>
+          <a:fontRef idx="minor">
+            <a:schemeClr val="dk1"/>
+          </a:fontRef>
+        </p:style>
+        <p:txBody>
+          <a:bodyPr rtlCol="0" anchor="ctr"/>
+          <a:lstStyle/>
+          <a:p>
+            <a:pPr algn="ctr"/>
+            <a:r>
+              <a:rPr lang="zh-CN" altLang="en-US" dirty="0" smtClean="0">
+                <a:latin typeface="微软雅黑" pitchFamily="34" charset="-122"/>
+                <a:ea typeface="微软雅黑" pitchFamily="34" charset="-122"/>
+              </a:rPr>
+              <a:t>请求访问系统页面</a:t>
+            </a:r>
+            <a:endParaRPr lang="zh-CN" altLang="en-US" dirty="0">
+              <a:latin typeface="微软雅黑" pitchFamily="34" charset="-122"/>
+              <a:ea typeface="微软雅黑" pitchFamily="34" charset="-122"/>
+            </a:endParaRPr>
+          </a:p>
+        </p:txBody>
+      </p:sp>
+      <p:sp>
+        <p:nvSpPr>
+          <p:cNvPr id="5" name="TextBox 4"/>
+          <p:cNvSpPr txBox="1"/>
+          <p:nvPr/>
+        </p:nvSpPr>
+        <p:spPr>
+          <a:xfrm>
+            <a:off x="3275856" y="404664"/>
+            <a:ext cx="3647152" cy="369332"/>
+          </a:xfrm>
+          <a:prstGeom prst="rect">
+            <a:avLst/>
+          </a:prstGeom>
+        </p:spPr>
+        <p:style>
+          <a:lnRef idx="1">
+            <a:schemeClr val="accent1"/>
+          </a:lnRef>
+          <a:fillRef idx="3">
+            <a:schemeClr val="accent1"/>
+          </a:fillRef>
+          <a:effectRef idx="2">
+            <a:schemeClr val="accent1"/>
+          </a:effectRef>
+          <a:fontRef idx="minor">
+            <a:schemeClr val="lt1"/>
+          </a:fontRef>
+        </p:style>
+        <p:txBody>
+          <a:bodyPr wrap="none" rtlCol="0">
+            <a:spAutoFit/>
+          </a:bodyPr>
+          <a:lstStyle/>
+          <a:p>
+            <a:r>
+              <a:rPr lang="zh-CN" altLang="en-US" dirty="0" smtClean="0">
+                <a:latin typeface="微软雅黑" pitchFamily="34" charset="-122"/>
+                <a:ea typeface="微软雅黑" pitchFamily="34" charset="-122"/>
+              </a:rPr>
+              <a:t>安全认证过滤器重定向功能示意图</a:t>
+            </a:r>
+            <a:endParaRPr lang="zh-CN" altLang="en-US" dirty="0">
+              <a:latin typeface="微软雅黑" pitchFamily="34" charset="-122"/>
+              <a:ea typeface="微软雅黑" pitchFamily="34" charset="-122"/>
+            </a:endParaRPr>
+          </a:p>
+        </p:txBody>
+      </p:sp>
+      <p:sp>
+        <p:nvSpPr>
+          <p:cNvPr id="6" name="矩形 5"/>
+          <p:cNvSpPr/>
+          <p:nvPr/>
+        </p:nvSpPr>
+        <p:spPr>
+          <a:xfrm>
+            <a:off x="5364088" y="1124744"/>
+            <a:ext cx="2592288" cy="936104"/>
+          </a:xfrm>
+          <a:prstGeom prst="rect">
+            <a:avLst/>
+          </a:prstGeom>
+        </p:spPr>
+        <p:style>
+          <a:lnRef idx="2">
+            <a:schemeClr val="accent4"/>
+          </a:lnRef>
+          <a:fillRef idx="1">
+            <a:schemeClr val="lt1"/>
+          </a:fillRef>
+          <a:effectRef idx="0">
+            <a:schemeClr val="accent4"/>
+          </a:effectRef>
+          <a:fontRef idx="minor">
+            <a:schemeClr val="dk1"/>
+          </a:fontRef>
+        </p:style>
+        <p:txBody>
+          <a:bodyPr rtlCol="0" anchor="ctr"/>
+          <a:lstStyle/>
+          <a:p>
+            <a:r>
+              <a:rPr lang="zh-CN" altLang="en-US" dirty="0" smtClean="0">
+                <a:latin typeface="微软雅黑" pitchFamily="34" charset="-122"/>
+                <a:ea typeface="微软雅黑" pitchFamily="34" charset="-122"/>
+              </a:rPr>
+              <a:t>直接进入访问页面</a:t>
+            </a:r>
+            <a:endParaRPr lang="zh-CN" altLang="en-US" dirty="0">
+              <a:latin typeface="微软雅黑" pitchFamily="34" charset="-122"/>
+              <a:ea typeface="微软雅黑" pitchFamily="34" charset="-122"/>
+            </a:endParaRPr>
+          </a:p>
+        </p:txBody>
+      </p:sp>
+      <p:cxnSp>
+        <p:nvCxnSpPr>
+          <p:cNvPr id="8" name="直接箭头连接符 7"/>
+          <p:cNvCxnSpPr>
+            <a:stCxn id="4" idx="3"/>
+            <a:endCxn id="6" idx="1"/>
+          </p:cNvCxnSpPr>
+          <p:nvPr/>
+        </p:nvCxnSpPr>
+        <p:spPr>
+          <a:xfrm>
+            <a:off x="2699792" y="1592796"/>
+            <a:ext cx="2664296" cy="0"/>
+          </a:xfrm>
+          <a:prstGeom prst="straightConnector1">
+            <a:avLst/>
+          </a:prstGeom>
+          <a:ln>
+            <a:tailEnd type="arrow"/>
+          </a:ln>
+        </p:spPr>
+        <p:style>
+          <a:lnRef idx="3">
+            <a:schemeClr val="accent4"/>
+          </a:lnRef>
+          <a:fillRef idx="0">
+            <a:schemeClr val="accent4"/>
+          </a:fillRef>
+          <a:effectRef idx="2">
+            <a:schemeClr val="accent4"/>
+          </a:effectRef>
+          <a:fontRef idx="minor">
+            <a:schemeClr val="tx1"/>
+          </a:fontRef>
+        </p:style>
+      </p:cxnSp>
+      <p:sp>
+        <p:nvSpPr>
+          <p:cNvPr id="9" name="TextBox 8"/>
+          <p:cNvSpPr txBox="1"/>
+          <p:nvPr/>
+        </p:nvSpPr>
+        <p:spPr>
+          <a:xfrm>
+            <a:off x="3209327" y="1124744"/>
+            <a:ext cx="1569660" cy="369332"/>
+          </a:xfrm>
+          <a:prstGeom prst="rect">
+            <a:avLst/>
+          </a:prstGeom>
+          <a:noFill/>
+        </p:spPr>
+        <p:txBody>
+          <a:bodyPr wrap="none" rtlCol="0">
+            <a:spAutoFit/>
+          </a:bodyPr>
+          <a:lstStyle/>
+          <a:p>
+            <a:r>
+              <a:rPr lang="zh-CN" altLang="en-US" dirty="0" smtClean="0">
+                <a:latin typeface="微软雅黑" pitchFamily="34" charset="-122"/>
+                <a:ea typeface="微软雅黑" pitchFamily="34" charset="-122"/>
+              </a:rPr>
+              <a:t>无需认证请求</a:t>
+            </a:r>
+            <a:endParaRPr lang="zh-CN" altLang="en-US" dirty="0">
+              <a:latin typeface="微软雅黑" pitchFamily="34" charset="-122"/>
+              <a:ea typeface="微软雅黑" pitchFamily="34" charset="-122"/>
+            </a:endParaRPr>
+          </a:p>
+        </p:txBody>
+      </p:sp>
+      <p:sp>
+        <p:nvSpPr>
+          <p:cNvPr id="11" name="矩形 10"/>
+          <p:cNvSpPr/>
+          <p:nvPr/>
+        </p:nvSpPr>
+        <p:spPr>
+          <a:xfrm>
+            <a:off x="5364088" y="2358882"/>
+            <a:ext cx="2808312" cy="1296144"/>
+          </a:xfrm>
+          <a:prstGeom prst="rect">
+            <a:avLst/>
+          </a:prstGeom>
+        </p:spPr>
+        <p:style>
+          <a:lnRef idx="2">
+            <a:schemeClr val="accent4"/>
+          </a:lnRef>
+          <a:fillRef idx="1">
+            <a:schemeClr val="lt1"/>
+          </a:fillRef>
+          <a:effectRef idx="0">
+            <a:schemeClr val="accent4"/>
+          </a:effectRef>
+          <a:fontRef idx="minor">
+            <a:schemeClr val="dk1"/>
+          </a:fontRef>
+        </p:style>
+        <p:txBody>
+          <a:bodyPr rtlCol="0" anchor="ctr"/>
+          <a:lstStyle/>
+          <a:p>
+            <a:r>
+              <a:rPr lang="zh-CN" altLang="en-US" dirty="0">
+                <a:latin typeface="微软雅黑" pitchFamily="34" charset="-122"/>
+                <a:ea typeface="微软雅黑" pitchFamily="34" charset="-122"/>
+              </a:rPr>
+              <a:t>直接进入访问页面</a:t>
+            </a:r>
+            <a:endParaRPr lang="zh-CN" altLang="en-US" dirty="0">
+              <a:latin typeface="微软雅黑" pitchFamily="34" charset="-122"/>
+              <a:ea typeface="微软雅黑" pitchFamily="34" charset="-122"/>
+            </a:endParaRPr>
+          </a:p>
+        </p:txBody>
+      </p:sp>
+      <p:cxnSp>
+        <p:nvCxnSpPr>
+          <p:cNvPr id="13" name="直接连接符 12"/>
+          <p:cNvCxnSpPr/>
+          <p:nvPr/>
+        </p:nvCxnSpPr>
+        <p:spPr>
+          <a:xfrm>
+            <a:off x="1704669" y="2072172"/>
+            <a:ext cx="0" cy="457200"/>
+          </a:xfrm>
+          <a:prstGeom prst="line">
+            <a:avLst/>
+          </a:prstGeom>
+          <a:ln>
+            <a:headEnd type="none" w="med" len="med"/>
+            <a:tailEnd type="arrow" w="med" len="med"/>
+          </a:ln>
+        </p:spPr>
+        <p:style>
+          <a:lnRef idx="3">
+            <a:schemeClr val="accent4"/>
+          </a:lnRef>
+          <a:fillRef idx="0">
+            <a:schemeClr val="accent4"/>
+          </a:fillRef>
+          <a:effectRef idx="2">
+            <a:schemeClr val="accent4"/>
+          </a:effectRef>
+          <a:fontRef idx="minor">
+            <a:schemeClr val="tx1"/>
+          </a:fontRef>
+        </p:style>
+      </p:cxnSp>
+      <p:sp>
+        <p:nvSpPr>
+          <p:cNvPr id="15" name="TextBox 14"/>
+          <p:cNvSpPr txBox="1"/>
+          <p:nvPr/>
+        </p:nvSpPr>
+        <p:spPr>
+          <a:xfrm>
+            <a:off x="1791745" y="2164214"/>
+            <a:ext cx="1338828" cy="369332"/>
+          </a:xfrm>
+          <a:prstGeom prst="rect">
+            <a:avLst/>
+          </a:prstGeom>
+          <a:noFill/>
+        </p:spPr>
+        <p:txBody>
+          <a:bodyPr wrap="none" rtlCol="0">
+            <a:spAutoFit/>
+          </a:bodyPr>
+          <a:lstStyle/>
+          <a:p>
+            <a:r>
+              <a:rPr lang="zh-CN" altLang="en-US" dirty="0" smtClean="0">
+                <a:latin typeface="微软雅黑" pitchFamily="34" charset="-122"/>
+                <a:ea typeface="微软雅黑" pitchFamily="34" charset="-122"/>
+              </a:rPr>
+              <a:t>需认证请求</a:t>
+            </a:r>
+            <a:endParaRPr lang="zh-CN" altLang="en-US" dirty="0">
+              <a:latin typeface="微软雅黑" pitchFamily="34" charset="-122"/>
+              <a:ea typeface="微软雅黑" pitchFamily="34" charset="-122"/>
+            </a:endParaRPr>
+          </a:p>
+        </p:txBody>
+      </p:sp>
+      <p:sp>
+        <p:nvSpPr>
+          <p:cNvPr id="18" name="流程图: 决策 17"/>
+          <p:cNvSpPr/>
+          <p:nvPr/>
+        </p:nvSpPr>
+        <p:spPr>
+          <a:xfrm>
+            <a:off x="373154" y="2561520"/>
+            <a:ext cx="2663029" cy="867480"/>
+          </a:xfrm>
+          <a:prstGeom prst="flowChartDecision">
+            <a:avLst/>
+          </a:prstGeom>
+        </p:spPr>
+        <p:style>
+          <a:lnRef idx="2">
+            <a:schemeClr val="accent4"/>
+          </a:lnRef>
+          <a:fillRef idx="1">
+            <a:schemeClr val="lt1"/>
+          </a:fillRef>
+          <a:effectRef idx="0">
+            <a:schemeClr val="accent4"/>
+          </a:effectRef>
+          <a:fontRef idx="minor">
+            <a:schemeClr val="dk1"/>
+          </a:fontRef>
+        </p:style>
+        <p:txBody>
+          <a:bodyPr rtlCol="0" anchor="ctr"/>
+          <a:lstStyle/>
+          <a:p>
+            <a:pPr algn="ctr"/>
+            <a:r>
+              <a:rPr lang="zh-CN" altLang="en-US" dirty="0" smtClean="0">
+                <a:latin typeface="微软雅黑" pitchFamily="34" charset="-122"/>
+                <a:ea typeface="微软雅黑" pitchFamily="34" charset="-122"/>
+              </a:rPr>
+              <a:t>安全认证检测</a:t>
+            </a:r>
+            <a:endParaRPr lang="zh-CN" altLang="en-US" dirty="0">
+              <a:latin typeface="微软雅黑" pitchFamily="34" charset="-122"/>
+              <a:ea typeface="微软雅黑" pitchFamily="34" charset="-122"/>
+            </a:endParaRPr>
+          </a:p>
+        </p:txBody>
+      </p:sp>
+      <p:cxnSp>
+        <p:nvCxnSpPr>
+          <p:cNvPr id="19" name="直接箭头连接符 18"/>
+          <p:cNvCxnSpPr>
+            <a:stCxn id="18" idx="3"/>
+          </p:cNvCxnSpPr>
+          <p:nvPr/>
+        </p:nvCxnSpPr>
+        <p:spPr>
+          <a:xfrm>
+            <a:off x="3036183" y="2995260"/>
+            <a:ext cx="2327905" cy="0"/>
+          </a:xfrm>
+          <a:prstGeom prst="straightConnector1">
+            <a:avLst/>
+          </a:prstGeom>
+          <a:ln>
+            <a:tailEnd type="arrow"/>
+          </a:ln>
+        </p:spPr>
+        <p:style>
+          <a:lnRef idx="3">
+            <a:schemeClr val="accent4"/>
+          </a:lnRef>
+          <a:fillRef idx="0">
+            <a:schemeClr val="accent4"/>
+          </a:fillRef>
+          <a:effectRef idx="2">
+            <a:schemeClr val="accent4"/>
+          </a:effectRef>
+          <a:fontRef idx="minor">
+            <a:schemeClr val="tx1"/>
+          </a:fontRef>
+        </p:style>
+      </p:cxnSp>
+      <p:sp>
+        <p:nvSpPr>
+          <p:cNvPr id="20" name="TextBox 19"/>
+          <p:cNvSpPr txBox="1"/>
+          <p:nvPr/>
+        </p:nvSpPr>
+        <p:spPr>
+          <a:xfrm>
+            <a:off x="3425351" y="2527208"/>
+            <a:ext cx="877163" cy="369332"/>
+          </a:xfrm>
+          <a:prstGeom prst="rect">
+            <a:avLst/>
+          </a:prstGeom>
+          <a:noFill/>
+        </p:spPr>
+        <p:txBody>
+          <a:bodyPr wrap="none" rtlCol="0">
+            <a:spAutoFit/>
+          </a:bodyPr>
+          <a:lstStyle/>
+          <a:p>
+            <a:r>
+              <a:rPr lang="zh-CN" altLang="en-US" dirty="0" smtClean="0">
+                <a:latin typeface="微软雅黑" pitchFamily="34" charset="-122"/>
+                <a:ea typeface="微软雅黑" pitchFamily="34" charset="-122"/>
+              </a:rPr>
+              <a:t>已认证</a:t>
+            </a:r>
+            <a:endParaRPr lang="zh-CN" altLang="en-US" dirty="0">
+              <a:latin typeface="微软雅黑" pitchFamily="34" charset="-122"/>
+              <a:ea typeface="微软雅黑" pitchFamily="34" charset="-122"/>
+            </a:endParaRPr>
+          </a:p>
+        </p:txBody>
+      </p:sp>
+      <p:cxnSp>
+        <p:nvCxnSpPr>
+          <p:cNvPr id="24" name="直接箭头连接符 23"/>
+          <p:cNvCxnSpPr>
+            <a:stCxn id="18" idx="2"/>
+            <a:endCxn id="27" idx="0"/>
+          </p:cNvCxnSpPr>
+          <p:nvPr/>
+        </p:nvCxnSpPr>
+        <p:spPr>
+          <a:xfrm>
+            <a:off x="1704669" y="3429000"/>
+            <a:ext cx="287543" cy="478970"/>
+          </a:xfrm>
+          <a:prstGeom prst="straightConnector1">
+            <a:avLst/>
+          </a:prstGeom>
+          <a:ln>
+            <a:tailEnd type="arrow"/>
+          </a:ln>
+        </p:spPr>
+        <p:style>
+          <a:lnRef idx="3">
+            <a:schemeClr val="accent4"/>
+          </a:lnRef>
+          <a:fillRef idx="0">
+            <a:schemeClr val="accent4"/>
+          </a:fillRef>
+          <a:effectRef idx="2">
+            <a:schemeClr val="accent4"/>
+          </a:effectRef>
+          <a:fontRef idx="minor">
+            <a:schemeClr val="tx1"/>
+          </a:fontRef>
+        </p:style>
+      </p:cxnSp>
+      <p:sp>
+        <p:nvSpPr>
+          <p:cNvPr id="25" name="TextBox 24"/>
+          <p:cNvSpPr txBox="1"/>
+          <p:nvPr/>
+        </p:nvSpPr>
+        <p:spPr>
+          <a:xfrm>
+            <a:off x="1992212" y="3357835"/>
+            <a:ext cx="1338828" cy="369332"/>
+          </a:xfrm>
+          <a:prstGeom prst="rect">
+            <a:avLst/>
+          </a:prstGeom>
+          <a:noFill/>
+        </p:spPr>
+        <p:txBody>
+          <a:bodyPr wrap="none" rtlCol="0">
+            <a:spAutoFit/>
+          </a:bodyPr>
+          <a:lstStyle/>
+          <a:p>
+            <a:r>
+              <a:rPr lang="zh-CN" altLang="en-US" dirty="0" smtClean="0">
+                <a:latin typeface="微软雅黑" pitchFamily="34" charset="-122"/>
+                <a:ea typeface="微软雅黑" pitchFamily="34" charset="-122"/>
+              </a:rPr>
+              <a:t>未认证请求</a:t>
+            </a:r>
+            <a:endParaRPr lang="zh-CN" altLang="en-US" dirty="0">
+              <a:latin typeface="微软雅黑" pitchFamily="34" charset="-122"/>
+              <a:ea typeface="微软雅黑" pitchFamily="34" charset="-122"/>
+            </a:endParaRPr>
+          </a:p>
+        </p:txBody>
+      </p:sp>
+      <p:sp>
+        <p:nvSpPr>
+          <p:cNvPr id="27" name="流程图: 决策 26"/>
+          <p:cNvSpPr/>
+          <p:nvPr/>
+        </p:nvSpPr>
+        <p:spPr>
+          <a:xfrm>
+            <a:off x="120492" y="3907970"/>
+            <a:ext cx="3743439" cy="867480"/>
+          </a:xfrm>
+          <a:prstGeom prst="flowChartDecision">
+            <a:avLst/>
+          </a:prstGeom>
+        </p:spPr>
+        <p:style>
+          <a:lnRef idx="2">
+            <a:schemeClr val="accent4"/>
+          </a:lnRef>
+          <a:fillRef idx="1">
+            <a:schemeClr val="lt1"/>
+          </a:fillRef>
+          <a:effectRef idx="0">
+            <a:schemeClr val="accent4"/>
+          </a:effectRef>
+          <a:fontRef idx="minor">
+            <a:schemeClr val="dk1"/>
+          </a:fontRef>
+        </p:style>
+        <p:txBody>
+          <a:bodyPr rtlCol="0" anchor="ctr"/>
+          <a:lstStyle/>
+          <a:p>
+            <a:pPr algn="ctr"/>
+            <a:r>
+              <a:rPr lang="zh-CN" altLang="en-US" dirty="0" smtClean="0">
+                <a:latin typeface="微软雅黑" pitchFamily="34" charset="-122"/>
+                <a:ea typeface="微软雅黑" pitchFamily="34" charset="-122"/>
+              </a:rPr>
+              <a:t>认证后需要重定向到请求页面</a:t>
+            </a:r>
+            <a:endParaRPr lang="zh-CN" altLang="en-US" dirty="0">
+              <a:latin typeface="微软雅黑" pitchFamily="34" charset="-122"/>
+              <a:ea typeface="微软雅黑" pitchFamily="34" charset="-122"/>
+            </a:endParaRPr>
+          </a:p>
+        </p:txBody>
+      </p:sp>
+      <p:cxnSp>
+        <p:nvCxnSpPr>
+          <p:cNvPr id="28" name="直接箭头连接符 27"/>
+          <p:cNvCxnSpPr>
+            <a:stCxn id="27" idx="3"/>
+          </p:cNvCxnSpPr>
+          <p:nvPr/>
+        </p:nvCxnSpPr>
+        <p:spPr>
+          <a:xfrm>
+            <a:off x="3863931" y="4341710"/>
+            <a:ext cx="1673301" cy="0"/>
+          </a:xfrm>
+          <a:prstGeom prst="straightConnector1">
+            <a:avLst/>
+          </a:prstGeom>
+          <a:ln>
+            <a:tailEnd type="arrow"/>
+          </a:ln>
+        </p:spPr>
+        <p:style>
+          <a:lnRef idx="3">
+            <a:schemeClr val="accent4"/>
+          </a:lnRef>
+          <a:fillRef idx="0">
+            <a:schemeClr val="accent4"/>
+          </a:fillRef>
+          <a:effectRef idx="2">
+            <a:schemeClr val="accent4"/>
+          </a:effectRef>
+          <a:fontRef idx="minor">
+            <a:schemeClr val="tx1"/>
+          </a:fontRef>
+        </p:style>
+      </p:cxnSp>
+      <p:sp>
+        <p:nvSpPr>
+          <p:cNvPr id="29" name="TextBox 28"/>
+          <p:cNvSpPr txBox="1"/>
+          <p:nvPr/>
+        </p:nvSpPr>
+        <p:spPr>
+          <a:xfrm>
+            <a:off x="3994157" y="4410348"/>
+            <a:ext cx="1338828" cy="369332"/>
+          </a:xfrm>
+          <a:prstGeom prst="rect">
+            <a:avLst/>
+          </a:prstGeom>
+          <a:noFill/>
+        </p:spPr>
+        <p:txBody>
+          <a:bodyPr wrap="none" rtlCol="0">
+            <a:spAutoFit/>
+          </a:bodyPr>
+          <a:lstStyle/>
+          <a:p>
+            <a:r>
+              <a:rPr lang="zh-CN" altLang="en-US" dirty="0" smtClean="0">
+                <a:latin typeface="微软雅黑" pitchFamily="34" charset="-122"/>
+                <a:ea typeface="微软雅黑" pitchFamily="34" charset="-122"/>
+              </a:rPr>
+              <a:t>无需重定向</a:t>
+            </a:r>
+            <a:endParaRPr lang="zh-CN" altLang="en-US" dirty="0">
+              <a:latin typeface="微软雅黑" pitchFamily="34" charset="-122"/>
+              <a:ea typeface="微软雅黑" pitchFamily="34" charset="-122"/>
+            </a:endParaRPr>
+          </a:p>
+        </p:txBody>
+      </p:sp>
+      <p:cxnSp>
+        <p:nvCxnSpPr>
+          <p:cNvPr id="30" name="直接箭头连接符 29"/>
+          <p:cNvCxnSpPr>
+            <a:stCxn id="27" idx="2"/>
+          </p:cNvCxnSpPr>
+          <p:nvPr/>
+        </p:nvCxnSpPr>
+        <p:spPr>
+          <a:xfrm flipH="1">
+            <a:off x="1705304" y="4775450"/>
+            <a:ext cx="286908" cy="471495"/>
+          </a:xfrm>
+          <a:prstGeom prst="straightConnector1">
+            <a:avLst/>
+          </a:prstGeom>
+          <a:ln>
+            <a:tailEnd type="arrow"/>
+          </a:ln>
+        </p:spPr>
+        <p:style>
+          <a:lnRef idx="3">
+            <a:schemeClr val="accent4"/>
+          </a:lnRef>
+          <a:fillRef idx="0">
+            <a:schemeClr val="accent4"/>
+          </a:fillRef>
+          <a:effectRef idx="2">
+            <a:schemeClr val="accent4"/>
+          </a:effectRef>
+          <a:fontRef idx="minor">
+            <a:schemeClr val="tx1"/>
+          </a:fontRef>
+        </p:style>
+      </p:cxnSp>
+      <p:sp>
+        <p:nvSpPr>
+          <p:cNvPr id="31" name="TextBox 30"/>
+          <p:cNvSpPr txBox="1"/>
+          <p:nvPr/>
+        </p:nvSpPr>
+        <p:spPr>
+          <a:xfrm>
+            <a:off x="1937028" y="4779430"/>
+            <a:ext cx="1107996" cy="369332"/>
+          </a:xfrm>
+          <a:prstGeom prst="rect">
+            <a:avLst/>
+          </a:prstGeom>
+          <a:noFill/>
+        </p:spPr>
+        <p:txBody>
+          <a:bodyPr wrap="none" rtlCol="0">
+            <a:spAutoFit/>
+          </a:bodyPr>
+          <a:lstStyle/>
+          <a:p>
+            <a:r>
+              <a:rPr lang="zh-CN" altLang="en-US" dirty="0" smtClean="0">
+                <a:latin typeface="微软雅黑" pitchFamily="34" charset="-122"/>
+                <a:ea typeface="微软雅黑" pitchFamily="34" charset="-122"/>
+              </a:rPr>
+              <a:t>需</a:t>
+            </a:r>
+            <a:r>
+              <a:rPr lang="zh-CN" altLang="en-US" dirty="0">
+                <a:latin typeface="微软雅黑" pitchFamily="34" charset="-122"/>
+                <a:ea typeface="微软雅黑" pitchFamily="34" charset="-122"/>
+              </a:rPr>
+              <a:t>重定向</a:t>
+            </a:r>
+            <a:endParaRPr lang="zh-CN" altLang="en-US" dirty="0">
+              <a:latin typeface="微软雅黑" pitchFamily="34" charset="-122"/>
+              <a:ea typeface="微软雅黑" pitchFamily="34" charset="-122"/>
+            </a:endParaRPr>
+          </a:p>
+        </p:txBody>
+      </p:sp>
+      <p:sp>
+        <p:nvSpPr>
+          <p:cNvPr id="33" name="矩形 32"/>
+          <p:cNvSpPr/>
+          <p:nvPr/>
+        </p:nvSpPr>
+        <p:spPr>
+          <a:xfrm>
+            <a:off x="119664" y="5246945"/>
+            <a:ext cx="4884384" cy="1494423"/>
+          </a:xfrm>
+          <a:prstGeom prst="rect">
+            <a:avLst/>
+          </a:prstGeom>
+        </p:spPr>
+        <p:style>
+          <a:lnRef idx="2">
+            <a:schemeClr val="accent4"/>
+          </a:lnRef>
+          <a:fillRef idx="1">
+            <a:schemeClr val="lt1"/>
+          </a:fillRef>
+          <a:effectRef idx="0">
+            <a:schemeClr val="accent4"/>
+          </a:effectRef>
+          <a:fontRef idx="minor">
+            <a:schemeClr val="dk1"/>
+          </a:fontRef>
+        </p:style>
+        <p:txBody>
+          <a:bodyPr rtlCol="0" anchor="ctr"/>
+          <a:lstStyle/>
+          <a:p>
+            <a:endParaRPr lang="en-US" altLang="zh-CN" dirty="0" smtClean="0">
+              <a:latin typeface="微软雅黑" pitchFamily="34" charset="-122"/>
+              <a:ea typeface="微软雅黑" pitchFamily="34" charset="-122"/>
+            </a:endParaRPr>
+          </a:p>
+          <a:p>
+            <a:r>
+              <a:rPr lang="zh-CN" altLang="en-US" dirty="0" smtClean="0">
+                <a:latin typeface="微软雅黑" pitchFamily="34" charset="-122"/>
+                <a:ea typeface="微软雅黑" pitchFamily="34" charset="-122"/>
+              </a:rPr>
+              <a:t>记录请求地址</a:t>
+            </a:r>
+            <a:r>
+              <a:rPr lang="en-US" altLang="zh-CN" dirty="0" smtClean="0">
+                <a:latin typeface="微软雅黑" pitchFamily="34" charset="-122"/>
+                <a:ea typeface="微软雅黑" pitchFamily="34" charset="-122"/>
+              </a:rPr>
+              <a:t>------》</a:t>
+            </a:r>
+            <a:r>
+              <a:rPr lang="zh-CN" altLang="en-US" dirty="0" smtClean="0">
+                <a:latin typeface="微软雅黑" pitchFamily="34" charset="-122"/>
+                <a:ea typeface="微软雅黑" pitchFamily="34" charset="-122"/>
+              </a:rPr>
+              <a:t>进入登陆页面</a:t>
+            </a:r>
+            <a:r>
+              <a:rPr lang="en-US" altLang="zh-CN" dirty="0" smtClean="0">
+                <a:latin typeface="微软雅黑" pitchFamily="34" charset="-122"/>
+                <a:ea typeface="微软雅黑" pitchFamily="34" charset="-122"/>
+              </a:rPr>
+              <a:t>----》</a:t>
+            </a:r>
+            <a:r>
+              <a:rPr lang="zh-CN" altLang="en-US" dirty="0" smtClean="0">
+                <a:latin typeface="微软雅黑" pitchFamily="34" charset="-122"/>
+                <a:ea typeface="微软雅黑" pitchFamily="34" charset="-122"/>
+              </a:rPr>
+              <a:t>进入请求页面</a:t>
+            </a:r>
+            <a:endParaRPr lang="zh-CN" altLang="en-US" dirty="0">
+              <a:latin typeface="微软雅黑" pitchFamily="34" charset="-122"/>
+              <a:ea typeface="微软雅黑" pitchFamily="34" charset="-122"/>
+            </a:endParaRPr>
+          </a:p>
+        </p:txBody>
+      </p:sp>
+      <p:sp>
+        <p:nvSpPr>
+          <p:cNvPr id="35" name="矩形 34"/>
+          <p:cNvSpPr/>
+          <p:nvPr/>
+        </p:nvSpPr>
+        <p:spPr>
+          <a:xfrm>
+            <a:off x="5537232" y="4013127"/>
+            <a:ext cx="2635168" cy="762323"/>
+          </a:xfrm>
+          <a:prstGeom prst="rect">
+            <a:avLst/>
+          </a:prstGeom>
+        </p:spPr>
+        <p:style>
+          <a:lnRef idx="2">
+            <a:schemeClr val="accent4"/>
+          </a:lnRef>
+          <a:fillRef idx="1">
+            <a:schemeClr val="lt1"/>
+          </a:fillRef>
+          <a:effectRef idx="0">
+            <a:schemeClr val="accent4"/>
+          </a:effectRef>
+          <a:fontRef idx="minor">
+            <a:schemeClr val="dk1"/>
+          </a:fontRef>
+        </p:style>
+        <p:txBody>
+          <a:bodyPr rtlCol="0" anchor="ctr"/>
+          <a:lstStyle/>
+          <a:p>
+            <a:r>
+              <a:rPr lang="zh-CN" altLang="en-US" dirty="0" smtClean="0">
+                <a:latin typeface="微软雅黑" pitchFamily="34" charset="-122"/>
+                <a:ea typeface="微软雅黑" pitchFamily="34" charset="-122"/>
+              </a:rPr>
+              <a:t>进入登陆页面</a:t>
+            </a:r>
+            <a:endParaRPr lang="zh-CN" altLang="en-US" dirty="0">
+              <a:latin typeface="微软雅黑" pitchFamily="34" charset="-122"/>
+              <a:ea typeface="微软雅黑" pitchFamily="34" charset="-122"/>
+            </a:endParaRPr>
+          </a:p>
+        </p:txBody>
+      </p:sp>
+      <p:sp>
+        <p:nvSpPr>
+          <p:cNvPr id="26" name="矩形 25"/>
+          <p:cNvSpPr/>
+          <p:nvPr/>
+        </p:nvSpPr>
+        <p:spPr>
+          <a:xfrm>
+            <a:off x="5537232" y="5185581"/>
+            <a:ext cx="2635168" cy="762323"/>
+          </a:xfrm>
+          <a:prstGeom prst="rect">
+            <a:avLst/>
+          </a:prstGeom>
+        </p:spPr>
+        <p:style>
+          <a:lnRef idx="2">
+            <a:schemeClr val="accent4"/>
+          </a:lnRef>
+          <a:fillRef idx="1">
+            <a:schemeClr val="lt1"/>
+          </a:fillRef>
+          <a:effectRef idx="0">
+            <a:schemeClr val="accent4"/>
+          </a:effectRef>
+          <a:fontRef idx="minor">
+            <a:schemeClr val="dk1"/>
+          </a:fontRef>
+        </p:style>
+        <p:txBody>
+          <a:bodyPr rtlCol="0" anchor="ctr"/>
+          <a:lstStyle/>
+          <a:p>
+            <a:r>
+              <a:rPr lang="zh-CN" altLang="en-US" dirty="0" smtClean="0">
+                <a:latin typeface="微软雅黑" pitchFamily="34" charset="-122"/>
+                <a:ea typeface="微软雅黑" pitchFamily="34" charset="-122"/>
+              </a:rPr>
+              <a:t>进入系统首页</a:t>
+            </a:r>
+            <a:endParaRPr lang="zh-CN" altLang="en-US" dirty="0">
+              <a:latin typeface="微软雅黑" pitchFamily="34" charset="-122"/>
+              <a:ea typeface="微软雅黑" pitchFamily="34" charset="-122"/>
+            </a:endParaRPr>
+          </a:p>
+        </p:txBody>
+      </p:sp>
+      <p:cxnSp>
+        <p:nvCxnSpPr>
+          <p:cNvPr id="32" name="直接连接符 31"/>
+          <p:cNvCxnSpPr/>
+          <p:nvPr/>
+        </p:nvCxnSpPr>
+        <p:spPr>
+          <a:xfrm>
+            <a:off x="6613108" y="4740444"/>
+            <a:ext cx="0" cy="457200"/>
+          </a:xfrm>
+          <a:prstGeom prst="line">
+            <a:avLst/>
+          </a:prstGeom>
+          <a:ln>
+            <a:headEnd type="none" w="med" len="med"/>
+            <a:tailEnd type="arrow" w="med" len="med"/>
+          </a:ln>
+        </p:spPr>
+        <p:style>
+          <a:lnRef idx="3">
+            <a:schemeClr val="accent4"/>
+          </a:lnRef>
+          <a:fillRef idx="0">
+            <a:schemeClr val="accent4"/>
+          </a:fillRef>
+          <a:effectRef idx="2">
+            <a:schemeClr val="accent4"/>
+          </a:effectRef>
+          <a:fontRef idx="minor">
+            <a:schemeClr val="tx1"/>
+          </a:fontRef>
+        </p:style>
+      </p:cxnSp>
+      <p:sp>
+        <p:nvSpPr>
+          <p:cNvPr id="34" name="TextBox 33"/>
+          <p:cNvSpPr txBox="1"/>
+          <p:nvPr/>
+        </p:nvSpPr>
+        <p:spPr>
+          <a:xfrm>
+            <a:off x="6700184" y="4832486"/>
+            <a:ext cx="1107996" cy="369332"/>
+          </a:xfrm>
+          <a:prstGeom prst="rect">
+            <a:avLst/>
+          </a:prstGeom>
+          <a:noFill/>
+        </p:spPr>
+        <p:txBody>
+          <a:bodyPr wrap="none" rtlCol="0">
+            <a:spAutoFit/>
+          </a:bodyPr>
+          <a:lstStyle/>
+          <a:p>
+            <a:r>
+              <a:rPr lang="zh-CN" altLang="en-US" dirty="0" smtClean="0">
+                <a:latin typeface="微软雅黑" pitchFamily="34" charset="-122"/>
+                <a:ea typeface="微软雅黑" pitchFamily="34" charset="-122"/>
+              </a:rPr>
+              <a:t>登陆成功</a:t>
+            </a:r>
+            <a:endParaRPr lang="zh-CN" altLang="en-US" dirty="0">
+              <a:latin typeface="微软雅黑" pitchFamily="34" charset="-122"/>
+              <a:ea typeface="微软雅黑" pitchFamily="34" charset="-122"/>
+            </a:endParaRPr>
+          </a:p>
+        </p:txBody>
+      </p:sp>
+      <p:sp>
+        <p:nvSpPr>
+          <p:cNvPr id="12" name="TextBox 11"/>
+          <p:cNvSpPr txBox="1"/>
+          <p:nvPr/>
+        </p:nvSpPr>
+        <p:spPr>
+          <a:xfrm>
+            <a:off x="1420030" y="5410302"/>
+            <a:ext cx="954107" cy="461665"/>
+          </a:xfrm>
+          <a:prstGeom prst="rect">
+            <a:avLst/>
+          </a:prstGeom>
+          <a:noFill/>
+        </p:spPr>
+        <p:txBody>
+          <a:bodyPr wrap="none" rtlCol="0">
+            <a:spAutoFit/>
+          </a:bodyPr>
+          <a:lstStyle/>
+          <a:p>
+            <a:pPr algn="ctr"/>
+            <a:r>
+              <a:rPr lang="zh-CN" altLang="en-US" sz="1200" dirty="0" smtClean="0"/>
+              <a:t>将请求页面</a:t>
+            </a:r>
+            <a:endParaRPr lang="en-US" altLang="zh-CN" sz="1200" dirty="0" smtClean="0"/>
+          </a:p>
+          <a:p>
+            <a:pPr algn="ctr"/>
+            <a:r>
+              <a:rPr lang="zh-CN" altLang="en-US" sz="1200" dirty="0" smtClean="0"/>
+              <a:t>作为参数</a:t>
+            </a:r>
+            <a:endParaRPr lang="zh-CN" altLang="en-US" sz="1200" dirty="0"/>
+          </a:p>
+        </p:txBody>
+      </p:sp>
+      <p:sp>
+        <p:nvSpPr>
+          <p:cNvPr id="14" name="矩形 13"/>
+          <p:cNvSpPr/>
+          <p:nvPr/>
+        </p:nvSpPr>
+        <p:spPr>
+          <a:xfrm>
+            <a:off x="3771780" y="5465406"/>
+            <a:ext cx="492443" cy="461665"/>
+          </a:xfrm>
+          <a:prstGeom prst="rect">
+            <a:avLst/>
+          </a:prstGeom>
+          <a:noFill/>
+        </p:spPr>
+        <p:txBody>
+          <a:bodyPr wrap="none" rtlCol="0">
+            <a:spAutoFit/>
+          </a:bodyPr>
+          <a:lstStyle/>
+          <a:p>
+            <a:pPr algn="ctr"/>
+            <a:r>
+              <a:rPr lang="zh-CN" altLang="en-US" sz="1200" dirty="0" smtClean="0"/>
+              <a:t>登陆</a:t>
+            </a:r>
+            <a:endParaRPr lang="en-US" altLang="zh-CN" sz="1200" dirty="0" smtClean="0"/>
+          </a:p>
+          <a:p>
+            <a:pPr algn="ctr"/>
+            <a:r>
+              <a:rPr lang="zh-CN" altLang="en-US" sz="1200" dirty="0" smtClean="0"/>
+              <a:t>成功</a:t>
+            </a:r>
+            <a:endParaRPr lang="zh-CN" altLang="en-US" sz="1200" dirty="0"/>
+          </a:p>
+        </p:txBody>
+      </p:sp>
+    </p:spTree>
+    <p:extLst>
+      <p:ext uri="{BB962C8B-B14F-4D97-AF65-F5344CB8AC3E}">
+        <p14:creationId xmlns:p14="http://schemas.microsoft.com/office/powerpoint/2010/main" val="1747771690"/>
       </p:ext>
     </p:extLst>
   </p:cSld>
